--- a/Slides/NLTK_class1_09.02.2024.pptx
+++ b/Slides/NLTK_class1_09.02.2024.pptx
@@ -16079,7 +16079,7 @@
                 <a:latin typeface="Courier New" panose="02070309020205020404" pitchFamily="49" charset="0"/>
                 <a:cs typeface="Courier New" panose="02070309020205020404" pitchFamily="49" charset="0"/>
               </a:rPr>
-              <a:t>Friday classes are introductions to material</a:t>
+              <a:t>Wednesday classes are introductions to material</a:t>
             </a:r>
           </a:p>
           <a:p>
@@ -16094,8 +16094,25 @@
                 <a:latin typeface="Courier New" panose="02070309020205020404" pitchFamily="49" charset="0"/>
                 <a:cs typeface="Courier New" panose="02070309020205020404" pitchFamily="49" charset="0"/>
               </a:rPr>
-              <a:t>Assignments will be given on Monday</a:t>
-            </a:r>
+              <a:t>Assignments will be given </a:t>
+            </a:r>
+            <a:r>
+              <a:rPr lang="en-GB">
+                <a:solidFill>
+                  <a:schemeClr val="bg1"/>
+                </a:solidFill>
+                <a:latin typeface="Courier New" panose="02070309020205020404" pitchFamily="49" charset="0"/>
+                <a:cs typeface="Courier New" panose="02070309020205020404" pitchFamily="49" charset="0"/>
+              </a:rPr>
+              <a:t>on Thursday</a:t>
+            </a:r>
+            <a:endParaRPr lang="en-GB" dirty="0">
+              <a:solidFill>
+                <a:schemeClr val="bg1"/>
+              </a:solidFill>
+              <a:latin typeface="Courier New" panose="02070309020205020404" pitchFamily="49" charset="0"/>
+              <a:cs typeface="Courier New" panose="02070309020205020404" pitchFamily="49" charset="0"/>
+            </a:endParaRPr>
           </a:p>
           <a:p>
             <a:pPr lvl="0">
